--- a/poster.pptx
+++ b/poster.pptx
@@ -104,6 +104,11 @@
       </a:defRPr>
     </a:lvl9pPr>
   </p:defaultTextStyle>
+  <p:extLst>
+    <p:ext uri="{EFAFB233-063F-42B5-8137-9DF3F51BA10A}">
+      <p15:sldGuideLst xmlns:p15="http://schemas.microsoft.com/office/powerpoint/2012/main"/>
+    </p:ext>
+  </p:extLst>
 </p:presentation>
 </file>
 
@@ -238,7 +243,7 @@
           <a:p>
             <a:fld id="{D884E98A-9851-B842-BA7D-46F15FCD80B4}" type="datetimeFigureOut">
               <a:rPr lang="en-US" smtClean="0"/>
-              <a:t>5/5/23</a:t>
+              <a:t>5/6/23</a:t>
             </a:fld>
             <a:endParaRPr lang="en-US"/>
           </a:p>
@@ -408,7 +413,7 @@
           <a:p>
             <a:fld id="{D884E98A-9851-B842-BA7D-46F15FCD80B4}" type="datetimeFigureOut">
               <a:rPr lang="en-US" smtClean="0"/>
-              <a:t>5/5/23</a:t>
+              <a:t>5/6/23</a:t>
             </a:fld>
             <a:endParaRPr lang="en-US"/>
           </a:p>
@@ -588,7 +593,7 @@
           <a:p>
             <a:fld id="{D884E98A-9851-B842-BA7D-46F15FCD80B4}" type="datetimeFigureOut">
               <a:rPr lang="en-US" smtClean="0"/>
-              <a:t>5/5/23</a:t>
+              <a:t>5/6/23</a:t>
             </a:fld>
             <a:endParaRPr lang="en-US"/>
           </a:p>
@@ -758,7 +763,7 @@
           <a:p>
             <a:fld id="{D884E98A-9851-B842-BA7D-46F15FCD80B4}" type="datetimeFigureOut">
               <a:rPr lang="en-US" smtClean="0"/>
-              <a:t>5/5/23</a:t>
+              <a:t>5/6/23</a:t>
             </a:fld>
             <a:endParaRPr lang="en-US"/>
           </a:p>
@@ -1002,7 +1007,7 @@
           <a:p>
             <a:fld id="{D884E98A-9851-B842-BA7D-46F15FCD80B4}" type="datetimeFigureOut">
               <a:rPr lang="en-US" smtClean="0"/>
-              <a:t>5/5/23</a:t>
+              <a:t>5/6/23</a:t>
             </a:fld>
             <a:endParaRPr lang="en-US"/>
           </a:p>
@@ -1234,7 +1239,7 @@
           <a:p>
             <a:fld id="{D884E98A-9851-B842-BA7D-46F15FCD80B4}" type="datetimeFigureOut">
               <a:rPr lang="en-US" smtClean="0"/>
-              <a:t>5/5/23</a:t>
+              <a:t>5/6/23</a:t>
             </a:fld>
             <a:endParaRPr lang="en-US"/>
           </a:p>
@@ -1601,7 +1606,7 @@
           <a:p>
             <a:fld id="{D884E98A-9851-B842-BA7D-46F15FCD80B4}" type="datetimeFigureOut">
               <a:rPr lang="en-US" smtClean="0"/>
-              <a:t>5/5/23</a:t>
+              <a:t>5/6/23</a:t>
             </a:fld>
             <a:endParaRPr lang="en-US"/>
           </a:p>
@@ -1719,7 +1724,7 @@
           <a:p>
             <a:fld id="{D884E98A-9851-B842-BA7D-46F15FCD80B4}" type="datetimeFigureOut">
               <a:rPr lang="en-US" smtClean="0"/>
-              <a:t>5/5/23</a:t>
+              <a:t>5/6/23</a:t>
             </a:fld>
             <a:endParaRPr lang="en-US"/>
           </a:p>
@@ -1814,7 +1819,7 @@
           <a:p>
             <a:fld id="{D884E98A-9851-B842-BA7D-46F15FCD80B4}" type="datetimeFigureOut">
               <a:rPr lang="en-US" smtClean="0"/>
-              <a:t>5/5/23</a:t>
+              <a:t>5/6/23</a:t>
             </a:fld>
             <a:endParaRPr lang="en-US"/>
           </a:p>
@@ -2091,7 +2096,7 @@
           <a:p>
             <a:fld id="{D884E98A-9851-B842-BA7D-46F15FCD80B4}" type="datetimeFigureOut">
               <a:rPr lang="en-US" smtClean="0"/>
-              <a:t>5/5/23</a:t>
+              <a:t>5/6/23</a:t>
             </a:fld>
             <a:endParaRPr lang="en-US"/>
           </a:p>
@@ -2348,7 +2353,7 @@
           <a:p>
             <a:fld id="{D884E98A-9851-B842-BA7D-46F15FCD80B4}" type="datetimeFigureOut">
               <a:rPr lang="en-US" smtClean="0"/>
-              <a:t>5/5/23</a:t>
+              <a:t>5/6/23</a:t>
             </a:fld>
             <a:endParaRPr lang="en-US"/>
           </a:p>
@@ -2561,7 +2566,7 @@
           <a:p>
             <a:fld id="{D884E98A-9851-B842-BA7D-46F15FCD80B4}" type="datetimeFigureOut">
               <a:rPr lang="en-US" smtClean="0"/>
-              <a:t>5/5/23</a:t>
+              <a:t>5/6/23</a:t>
             </a:fld>
             <a:endParaRPr lang="en-US"/>
           </a:p>
@@ -3192,12 +3197,15 @@
         <p:spPr>
           <a:xfrm>
             <a:off x="914398" y="4923084"/>
-            <a:ext cx="12801599" cy="1862048"/>
+            <a:ext cx="19659599" cy="1862048"/>
           </a:xfrm>
           <a:prstGeom prst="rect">
             <a:avLst/>
           </a:prstGeom>
           <a:noFill/>
+          <a:ln>
+            <a:noFill/>
+          </a:ln>
         </p:spPr>
         <p:txBody>
           <a:bodyPr wrap="square" lIns="457200" rtlCol="0">
